--- a/Yuri_Souza_PSI_poster_files/figure-html/um_mounds.pptx
+++ b/Yuri_Souza_PSI_poster_files/figure-html/um_mounds.pptx
@@ -3352,10 +3352,10 @@
       </p:grpSpPr>
       <p:grpSp>
         <p:nvGrpSpPr>
-          <p:cNvPr id="3" name="Group 2">
+          <p:cNvPr id="8" name="Group 7">
             <a:extLst>
               <a:ext uri="{FF2B5EF4-FFF2-40B4-BE49-F238E27FC236}">
-                <a16:creationId xmlns:a16="http://schemas.microsoft.com/office/drawing/2014/main" id="{E477C4A3-08F6-6CB0-478E-7B6F27C3B8B7}"/>
+                <a16:creationId xmlns:a16="http://schemas.microsoft.com/office/drawing/2014/main" id="{AA99EE74-3E14-1501-44AD-F57ACE3E9C24}"/>
               </a:ext>
             </a:extLst>
           </p:cNvPr>
@@ -3364,48 +3364,12 @@
         </p:nvGrpSpPr>
         <p:grpSpPr>
           <a:xfrm>
-            <a:off x="-200455" y="-4321073"/>
-            <a:ext cx="13367814" cy="9354931"/>
-            <a:chOff x="-413345" y="-911894"/>
-            <a:chExt cx="8202998" cy="5442438"/>
+            <a:off x="-200455" y="-4343401"/>
+            <a:ext cx="13341706" cy="9377259"/>
+            <a:chOff x="-200455" y="-4343401"/>
+            <a:chExt cx="13341706" cy="9377259"/>
           </a:xfrm>
         </p:grpSpPr>
-        <p:pic>
-          <p:nvPicPr>
-            <p:cNvPr id="5" name="Picture 4" descr="Scatter chart, qr code&#10;&#10;Description automatically generated">
-              <a:extLst>
-                <a:ext uri="{FF2B5EF4-FFF2-40B4-BE49-F238E27FC236}">
-                  <a16:creationId xmlns:a16="http://schemas.microsoft.com/office/drawing/2014/main" id="{21C49709-0DF8-13DB-C421-76C99566C7DF}"/>
-                </a:ext>
-              </a:extLst>
-            </p:cNvPr>
-            <p:cNvPicPr>
-              <a:picLocks noChangeAspect="1"/>
-            </p:cNvPicPr>
-            <p:nvPr/>
-          </p:nvPicPr>
-          <p:blipFill>
-            <a:blip r:embed="rId2">
-              <a:extLst>
-                <a:ext uri="{28A0092B-C50C-407E-A947-70E740481C1C}">
-                  <a14:useLocalDpi xmlns:a14="http://schemas.microsoft.com/office/drawing/2010/main" val="0"/>
-                </a:ext>
-              </a:extLst>
-            </a:blip>
-            <a:stretch>
-              <a:fillRect/>
-            </a:stretch>
-          </p:blipFill>
-          <p:spPr>
-            <a:xfrm>
-              <a:off x="2761894" y="-911894"/>
-              <a:ext cx="5027759" cy="5027759"/>
-            </a:xfrm>
-            <a:prstGeom prst="rect">
-              <a:avLst/>
-            </a:prstGeom>
-          </p:spPr>
-        </p:pic>
         <p:pic>
           <p:nvPicPr>
             <p:cNvPr id="2050" name="Picture 2" descr="QR code illustration, Template Mobile phone QR code, creative hand phone,  computer Network, hand, phone Icon png | PNGWing">
@@ -3421,11 +3385,11 @@
             <p:nvPr/>
           </p:nvPicPr>
           <p:blipFill>
-            <a:blip r:embed="rId3">
+            <a:blip r:embed="rId2">
               <a:extLst>
                 <a:ext uri="{BEBA8EAE-BF5A-486C-A8C5-ECC9F3942E4B}">
                   <a14:imgProps xmlns:a14="http://schemas.microsoft.com/office/drawing/2010/main">
-                    <a14:imgLayer r:embed="rId4">
+                    <a14:imgLayer r:embed="rId3">
                       <a14:imgEffect>
                         <a14:backgroundRemoval t="10000" b="99022" l="4022" r="96739">
                           <a14:foregroundMark x1="13804" y1="81304" x2="13804" y2="81304"/>
@@ -3469,8 +3433,8 @@
           </p:blipFill>
           <p:spPr bwMode="auto">
             <a:xfrm>
-              <a:off x="-413345" y="1601985"/>
-              <a:ext cx="2928559" cy="2928559"/>
+              <a:off x="-200455" y="-1"/>
+              <a:ext cx="4772454" cy="5033859"/>
             </a:xfrm>
             <a:prstGeom prst="rect">
               <a:avLst/>
@@ -3485,6 +3449,42 @@
                 </a14:hiddenFill>
               </a:ext>
             </a:extLst>
+          </p:spPr>
+        </p:pic>
+        <p:pic>
+          <p:nvPicPr>
+            <p:cNvPr id="4" name="Picture 3" descr="Qr code&#10;&#10;Description automatically generated">
+              <a:extLst>
+                <a:ext uri="{FF2B5EF4-FFF2-40B4-BE49-F238E27FC236}">
+                  <a16:creationId xmlns:a16="http://schemas.microsoft.com/office/drawing/2014/main" id="{114D2F0F-6451-F8F6-7BA7-67728E469ED7}"/>
+                </a:ext>
+              </a:extLst>
+            </p:cNvPr>
+            <p:cNvPicPr>
+              <a:picLocks noChangeAspect="1"/>
+            </p:cNvPicPr>
+            <p:nvPr/>
+          </p:nvPicPr>
+          <p:blipFill>
+            <a:blip r:embed="rId4">
+              <a:extLst>
+                <a:ext uri="{28A0092B-C50C-407E-A947-70E740481C1C}">
+                  <a14:useLocalDpi xmlns:a14="http://schemas.microsoft.com/office/drawing/2010/main" val="0"/>
+                </a:ext>
+              </a:extLst>
+            </a:blip>
+            <a:stretch>
+              <a:fillRect/>
+            </a:stretch>
+          </p:blipFill>
+          <p:spPr>
+            <a:xfrm>
+              <a:off x="4973995" y="-4343401"/>
+              <a:ext cx="8167256" cy="8167256"/>
+            </a:xfrm>
+            <a:prstGeom prst="rect">
+              <a:avLst/>
+            </a:prstGeom>
           </p:spPr>
         </p:pic>
       </p:grpSp>

--- a/Yuri_Souza_PSI_poster_files/figure-html/um_mounds.pptx
+++ b/Yuri_Souza_PSI_poster_files/figure-html/um_mounds.pptx
@@ -245,7 +245,7 @@
           <a:p>
             <a:fld id="{0E4411D3-F5BA-47E6-928C-5BE67C890B0D}" type="datetimeFigureOut">
               <a:rPr lang="en-US" smtClean="0"/>
-              <a:t>4/3/2023</a:t>
+              <a:t>4/4/2023</a:t>
             </a:fld>
             <a:endParaRPr lang="en-US"/>
           </a:p>
@@ -415,7 +415,7 @@
           <a:p>
             <a:fld id="{0E4411D3-F5BA-47E6-928C-5BE67C890B0D}" type="datetimeFigureOut">
               <a:rPr lang="en-US" smtClean="0"/>
-              <a:t>4/3/2023</a:t>
+              <a:t>4/4/2023</a:t>
             </a:fld>
             <a:endParaRPr lang="en-US"/>
           </a:p>
@@ -595,7 +595,7 @@
           <a:p>
             <a:fld id="{0E4411D3-F5BA-47E6-928C-5BE67C890B0D}" type="datetimeFigureOut">
               <a:rPr lang="en-US" smtClean="0"/>
-              <a:t>4/3/2023</a:t>
+              <a:t>4/4/2023</a:t>
             </a:fld>
             <a:endParaRPr lang="en-US"/>
           </a:p>
@@ -765,7 +765,7 @@
           <a:p>
             <a:fld id="{0E4411D3-F5BA-47E6-928C-5BE67C890B0D}" type="datetimeFigureOut">
               <a:rPr lang="en-US" smtClean="0"/>
-              <a:t>4/3/2023</a:t>
+              <a:t>4/4/2023</a:t>
             </a:fld>
             <a:endParaRPr lang="en-US"/>
           </a:p>
@@ -1009,7 +1009,7 @@
           <a:p>
             <a:fld id="{0E4411D3-F5BA-47E6-928C-5BE67C890B0D}" type="datetimeFigureOut">
               <a:rPr lang="en-US" smtClean="0"/>
-              <a:t>4/3/2023</a:t>
+              <a:t>4/4/2023</a:t>
             </a:fld>
             <a:endParaRPr lang="en-US"/>
           </a:p>
@@ -1241,7 +1241,7 @@
           <a:p>
             <a:fld id="{0E4411D3-F5BA-47E6-928C-5BE67C890B0D}" type="datetimeFigureOut">
               <a:rPr lang="en-US" smtClean="0"/>
-              <a:t>4/3/2023</a:t>
+              <a:t>4/4/2023</a:t>
             </a:fld>
             <a:endParaRPr lang="en-US"/>
           </a:p>
@@ -1608,7 +1608,7 @@
           <a:p>
             <a:fld id="{0E4411D3-F5BA-47E6-928C-5BE67C890B0D}" type="datetimeFigureOut">
               <a:rPr lang="en-US" smtClean="0"/>
-              <a:t>4/3/2023</a:t>
+              <a:t>4/4/2023</a:t>
             </a:fld>
             <a:endParaRPr lang="en-US"/>
           </a:p>
@@ -1726,7 +1726,7 @@
           <a:p>
             <a:fld id="{0E4411D3-F5BA-47E6-928C-5BE67C890B0D}" type="datetimeFigureOut">
               <a:rPr lang="en-US" smtClean="0"/>
-              <a:t>4/3/2023</a:t>
+              <a:t>4/4/2023</a:t>
             </a:fld>
             <a:endParaRPr lang="en-US"/>
           </a:p>
@@ -1821,7 +1821,7 @@
           <a:p>
             <a:fld id="{0E4411D3-F5BA-47E6-928C-5BE67C890B0D}" type="datetimeFigureOut">
               <a:rPr lang="en-US" smtClean="0"/>
-              <a:t>4/3/2023</a:t>
+              <a:t>4/4/2023</a:t>
             </a:fld>
             <a:endParaRPr lang="en-US"/>
           </a:p>
@@ -2098,7 +2098,7 @@
           <a:p>
             <a:fld id="{0E4411D3-F5BA-47E6-928C-5BE67C890B0D}" type="datetimeFigureOut">
               <a:rPr lang="en-US" smtClean="0"/>
-              <a:t>4/3/2023</a:t>
+              <a:t>4/4/2023</a:t>
             </a:fld>
             <a:endParaRPr lang="en-US"/>
           </a:p>
@@ -2355,7 +2355,7 @@
           <a:p>
             <a:fld id="{0E4411D3-F5BA-47E6-928C-5BE67C890B0D}" type="datetimeFigureOut">
               <a:rPr lang="en-US" smtClean="0"/>
-              <a:t>4/3/2023</a:t>
+              <a:t>4/4/2023</a:t>
             </a:fld>
             <a:endParaRPr lang="en-US"/>
           </a:p>
@@ -2568,7 +2568,7 @@
           <a:p>
             <a:fld id="{0E4411D3-F5BA-47E6-928C-5BE67C890B0D}" type="datetimeFigureOut">
               <a:rPr lang="en-US" smtClean="0"/>
-              <a:t>4/3/2023</a:t>
+              <a:t>4/4/2023</a:t>
             </a:fld>
             <a:endParaRPr lang="en-US"/>
           </a:p>
@@ -3520,10 +3520,10 @@
       </p:grpSpPr>
       <p:pic>
         <p:nvPicPr>
-          <p:cNvPr id="7" name="Picture 6" descr="Qr code&#10;&#10;Description automatically generated">
+          <p:cNvPr id="3" name="Picture 2" descr="Qr code&#10;&#10;Description automatically generated">
             <a:extLst>
               <a:ext uri="{FF2B5EF4-FFF2-40B4-BE49-F238E27FC236}">
-                <a16:creationId xmlns:a16="http://schemas.microsoft.com/office/drawing/2014/main" id="{08BDCB2E-81E8-CC18-57FB-B23A1E88EDEC}"/>
+                <a16:creationId xmlns:a16="http://schemas.microsoft.com/office/drawing/2014/main" id="{ABB8973E-7605-81CA-218B-807C5FFADF2E}"/>
               </a:ext>
             </a:extLst>
           </p:cNvPr>
@@ -3535,10 +3535,10 @@
         <p:blipFill>
           <a:blip r:embed="rId2">
             <a:duotone>
-              <a:srgbClr val="ED7D31">
+              <a:schemeClr val="accent2">
                 <a:shade val="45000"/>
                 <a:satMod val="135000"/>
-              </a:srgbClr>
+              </a:schemeClr>
               <a:prstClr val="white"/>
             </a:duotone>
             <a:extLst>
